--- a/presentations/source/11-API-Management.pptx
+++ b/presentations/source/11-API-Management.pptx
@@ -211,7 +211,7 @@
             <a:fld id="{7307762F-A706-E543-A832-3C298AA3103F}" type="datetimeFigureOut">
               <a:rPr lang="en-US" smtClean="0"/>
               <a:pPr/>
-              <a:t>09/12/2012</a:t>
+              <a:t>18/12/2012</a:t>
             </a:fld>
             <a:endParaRPr lang="en-US" dirty="0"/>
           </a:p>
@@ -1632,7 +1632,7 @@
           <a:p>
             <a:fld id="{875CF0EB-321F-0749-B37A-89BBA859503C}" type="datetimeFigureOut">
               <a:rPr lang="en-US" smtClean="0"/>
-              <a:t>09/12/2012</a:t>
+              <a:t>18/12/2012</a:t>
             </a:fld>
             <a:endParaRPr lang="en-US"/>
           </a:p>
@@ -1836,7 +1836,7 @@
           <a:p>
             <a:fld id="{875CF0EB-321F-0749-B37A-89BBA859503C}" type="datetimeFigureOut">
               <a:rPr lang="en-US" smtClean="0"/>
-              <a:t>09/12/2012</a:t>
+              <a:t>18/12/2012</a:t>
             </a:fld>
             <a:endParaRPr lang="en-US"/>
           </a:p>
@@ -2030,7 +2030,7 @@
           <a:p>
             <a:fld id="{875CF0EB-321F-0749-B37A-89BBA859503C}" type="datetimeFigureOut">
               <a:rPr lang="en-US" smtClean="0"/>
-              <a:t>09/12/2012</a:t>
+              <a:t>18/12/2012</a:t>
             </a:fld>
             <a:endParaRPr lang="en-US"/>
           </a:p>
@@ -2300,7 +2300,7 @@
           <a:p>
             <a:fld id="{875CF0EB-321F-0749-B37A-89BBA859503C}" type="datetimeFigureOut">
               <a:rPr lang="en-US" smtClean="0"/>
-              <a:t>09/12/2012</a:t>
+              <a:t>18/12/2012</a:t>
             </a:fld>
             <a:endParaRPr lang="en-US"/>
           </a:p>
@@ -2612,7 +2612,7 @@
           <a:p>
             <a:fld id="{875CF0EB-321F-0749-B37A-89BBA859503C}" type="datetimeFigureOut">
               <a:rPr lang="en-US" smtClean="0"/>
-              <a:t>09/12/2012</a:t>
+              <a:t>18/12/2012</a:t>
             </a:fld>
             <a:endParaRPr lang="en-US"/>
           </a:p>
@@ -3058,7 +3058,7 @@
           <a:p>
             <a:fld id="{875CF0EB-321F-0749-B37A-89BBA859503C}" type="datetimeFigureOut">
               <a:rPr lang="en-US" smtClean="0"/>
-              <a:t>09/12/2012</a:t>
+              <a:t>18/12/2012</a:t>
             </a:fld>
             <a:endParaRPr lang="en-US"/>
           </a:p>
@@ -3200,7 +3200,7 @@
           <a:p>
             <a:fld id="{875CF0EB-321F-0749-B37A-89BBA859503C}" type="datetimeFigureOut">
               <a:rPr lang="en-US" smtClean="0"/>
-              <a:t>09/12/2012</a:t>
+              <a:t>18/12/2012</a:t>
             </a:fld>
             <a:endParaRPr lang="en-US"/>
           </a:p>
@@ -3319,7 +3319,7 @@
           <a:p>
             <a:fld id="{875CF0EB-321F-0749-B37A-89BBA859503C}" type="datetimeFigureOut">
               <a:rPr lang="en-US" smtClean="0"/>
-              <a:t>09/12/2012</a:t>
+              <a:t>18/12/2012</a:t>
             </a:fld>
             <a:endParaRPr lang="en-US"/>
           </a:p>
@@ -3620,7 +3620,7 @@
           <a:p>
             <a:fld id="{875CF0EB-321F-0749-B37A-89BBA859503C}" type="datetimeFigureOut">
               <a:rPr lang="en-US" smtClean="0"/>
-              <a:t>09/12/2012</a:t>
+              <a:t>18/12/2012</a:t>
             </a:fld>
             <a:endParaRPr lang="en-US"/>
           </a:p>
@@ -3897,7 +3897,7 @@
           <a:p>
             <a:fld id="{875CF0EB-321F-0749-B37A-89BBA859503C}" type="datetimeFigureOut">
               <a:rPr lang="en-US" smtClean="0"/>
-              <a:t>09/12/2012</a:t>
+              <a:t>18/12/2012</a:t>
             </a:fld>
             <a:endParaRPr lang="en-US"/>
           </a:p>
@@ -4720,6 +4720,33 @@
           <a:bodyPr/>
           <a:lstStyle/>
           <a:p>
+            <a:r>
+              <a:rPr lang="en-US" dirty="0">
+                <a:ea typeface="ヒラギノ角ゴ ProN W3" charset="0"/>
+                <a:cs typeface="ヒラギノ角ゴ ProN W3" charset="0"/>
+              </a:rPr>
+              <a:t>Oxford University </a:t>
+            </a:r>
+          </a:p>
+          <a:p>
+            <a:r>
+              <a:rPr lang="en-US" dirty="0">
+                <a:ea typeface="ヒラギノ角ゴ ProN W3" charset="0"/>
+                <a:cs typeface="ヒラギノ角ゴ ProN W3" charset="0"/>
+              </a:rPr>
+              <a:t>Software Engineering Programme</a:t>
+            </a:r>
+          </a:p>
+          <a:p>
+            <a:r>
+              <a:rPr lang="en-US">
+                <a:ea typeface="ヒラギノ角ゴ ProN W3" charset="0"/>
+                <a:cs typeface="ヒラギノ角ゴ ProN W3" charset="0"/>
+              </a:rPr>
+              <a:t>Dec 2012</a:t>
+            </a:r>
+          </a:p>
+          <a:p>
             <a:endParaRPr lang="en-US"/>
           </a:p>
         </p:txBody>
@@ -7478,37 +7505,16 @@
               <a:rPr lang="en-US" sz="2000" dirty="0" smtClean="0">
                 <a:cs typeface="ＭＳ Ｐゴシック" charset="0"/>
               </a:rPr>
-              <a:t>B2D; Business to Developer, that </a:t>
-            </a:r>
+              <a:t>B2D; Business to Developer, that creates</a:t>
+            </a:r>
+          </a:p>
+          <a:p>
+            <a:pPr algn="ctr"/>
             <a:r>
               <a:rPr lang="en-US" sz="2000" dirty="0" smtClean="0">
                 <a:cs typeface="ＭＳ Ｐゴシック" charset="0"/>
               </a:rPr>
-              <a:t>creates</a:t>
-            </a:r>
-            <a:endParaRPr lang="en-US" sz="2000" dirty="0" smtClean="0">
-              <a:cs typeface="ＭＳ Ｐゴシック" charset="0"/>
-            </a:endParaRPr>
-          </a:p>
-          <a:p>
-            <a:pPr algn="ctr"/>
-            <a:r>
-              <a:rPr lang="en-US" sz="2000" dirty="0" smtClean="0">
-                <a:cs typeface="ＭＳ Ｐゴシック" charset="0"/>
-              </a:rPr>
-              <a:t>direct B2C, B2B </a:t>
-            </a:r>
-            <a:r>
-              <a:rPr lang="en-US" sz="2000" dirty="0" smtClean="0">
-                <a:cs typeface="ＭＳ Ｐゴシック" charset="0"/>
-              </a:rPr>
-              <a:t>and </a:t>
-            </a:r>
-            <a:r>
-              <a:rPr lang="en-US" sz="2000" dirty="0" smtClean="0">
-                <a:cs typeface="ＭＳ Ｐゴシック" charset="0"/>
-              </a:rPr>
-              <a:t>indirect B2C relations</a:t>
+              <a:t>direct B2C, B2B and indirect B2C relations</a:t>
             </a:r>
             <a:r>
               <a:rPr lang="en-US" sz="2000" dirty="0" smtClean="0">

--- a/presentations/source/11-API-Management.pptx
+++ b/presentations/source/11-API-Management.pptx
@@ -211,7 +211,7 @@
             <a:fld id="{7307762F-A706-E543-A832-3C298AA3103F}" type="datetimeFigureOut">
               <a:rPr lang="en-US" smtClean="0"/>
               <a:pPr/>
-              <a:t>18/12/2012</a:t>
+              <a:t>11/27/13</a:t>
             </a:fld>
             <a:endParaRPr lang="en-US" dirty="0"/>
           </a:p>
@@ -1632,7 +1632,7 @@
           <a:p>
             <a:fld id="{875CF0EB-321F-0749-B37A-89BBA859503C}" type="datetimeFigureOut">
               <a:rPr lang="en-US" smtClean="0"/>
-              <a:t>18/12/2012</a:t>
+              <a:t>11/27/13</a:t>
             </a:fld>
             <a:endParaRPr lang="en-US"/>
           </a:p>
@@ -1836,7 +1836,7 @@
           <a:p>
             <a:fld id="{875CF0EB-321F-0749-B37A-89BBA859503C}" type="datetimeFigureOut">
               <a:rPr lang="en-US" smtClean="0"/>
-              <a:t>18/12/2012</a:t>
+              <a:t>11/27/13</a:t>
             </a:fld>
             <a:endParaRPr lang="en-US"/>
           </a:p>
@@ -2030,7 +2030,7 @@
           <a:p>
             <a:fld id="{875CF0EB-321F-0749-B37A-89BBA859503C}" type="datetimeFigureOut">
               <a:rPr lang="en-US" smtClean="0"/>
-              <a:t>18/12/2012</a:t>
+              <a:t>11/27/13</a:t>
             </a:fld>
             <a:endParaRPr lang="en-US"/>
           </a:p>
@@ -2300,7 +2300,7 @@
           <a:p>
             <a:fld id="{875CF0EB-321F-0749-B37A-89BBA859503C}" type="datetimeFigureOut">
               <a:rPr lang="en-US" smtClean="0"/>
-              <a:t>18/12/2012</a:t>
+              <a:t>11/27/13</a:t>
             </a:fld>
             <a:endParaRPr lang="en-US"/>
           </a:p>
@@ -2612,7 +2612,7 @@
           <a:p>
             <a:fld id="{875CF0EB-321F-0749-B37A-89BBA859503C}" type="datetimeFigureOut">
               <a:rPr lang="en-US" smtClean="0"/>
-              <a:t>18/12/2012</a:t>
+              <a:t>11/27/13</a:t>
             </a:fld>
             <a:endParaRPr lang="en-US"/>
           </a:p>
@@ -3058,7 +3058,7 @@
           <a:p>
             <a:fld id="{875CF0EB-321F-0749-B37A-89BBA859503C}" type="datetimeFigureOut">
               <a:rPr lang="en-US" smtClean="0"/>
-              <a:t>18/12/2012</a:t>
+              <a:t>11/27/13</a:t>
             </a:fld>
             <a:endParaRPr lang="en-US"/>
           </a:p>
@@ -3200,7 +3200,7 @@
           <a:p>
             <a:fld id="{875CF0EB-321F-0749-B37A-89BBA859503C}" type="datetimeFigureOut">
               <a:rPr lang="en-US" smtClean="0"/>
-              <a:t>18/12/2012</a:t>
+              <a:t>11/27/13</a:t>
             </a:fld>
             <a:endParaRPr lang="en-US"/>
           </a:p>
@@ -3319,7 +3319,7 @@
           <a:p>
             <a:fld id="{875CF0EB-321F-0749-B37A-89BBA859503C}" type="datetimeFigureOut">
               <a:rPr lang="en-US" smtClean="0"/>
-              <a:t>18/12/2012</a:t>
+              <a:t>11/27/13</a:t>
             </a:fld>
             <a:endParaRPr lang="en-US"/>
           </a:p>
@@ -3620,7 +3620,7 @@
           <a:p>
             <a:fld id="{875CF0EB-321F-0749-B37A-89BBA859503C}" type="datetimeFigureOut">
               <a:rPr lang="en-US" smtClean="0"/>
-              <a:t>18/12/2012</a:t>
+              <a:t>11/27/13</a:t>
             </a:fld>
             <a:endParaRPr lang="en-US"/>
           </a:p>
@@ -3897,7 +3897,7 @@
           <a:p>
             <a:fld id="{875CF0EB-321F-0749-B37A-89BBA859503C}" type="datetimeFigureOut">
               <a:rPr lang="en-US" smtClean="0"/>
-              <a:t>18/12/2012</a:t>
+              <a:t>11/27/13</a:t>
             </a:fld>
             <a:endParaRPr lang="en-US"/>
           </a:p>
@@ -4743,11 +4743,22 @@
                 <a:ea typeface="ヒラギノ角ゴ ProN W3" charset="0"/>
                 <a:cs typeface="ヒラギノ角ゴ ProN W3" charset="0"/>
               </a:rPr>
-              <a:t>Dec 2012</a:t>
-            </a:r>
-          </a:p>
-          <a:p>
-            <a:endParaRPr lang="en-US"/>
+              <a:t>Dec </a:t>
+            </a:r>
+            <a:r>
+              <a:rPr lang="en-US" smtClean="0">
+                <a:ea typeface="ヒラギノ角ゴ ProN W3" charset="0"/>
+                <a:cs typeface="ヒラギノ角ゴ ProN W3" charset="0"/>
+              </a:rPr>
+              <a:t>2013</a:t>
+            </a:r>
+            <a:endParaRPr lang="en-US">
+              <a:ea typeface="ヒラギノ角ゴ ProN W3" charset="0"/>
+              <a:cs typeface="ヒラギノ角ゴ ProN W3" charset="0"/>
+            </a:endParaRPr>
+          </a:p>
+          <a:p>
+            <a:endParaRPr lang="en-US" dirty="0"/>
           </a:p>
         </p:txBody>
       </p:sp>

--- a/presentations/source/11-API-Management.pptx
+++ b/presentations/source/11-API-Management.pptx
@@ -211,7 +211,7 @@
             <a:fld id="{7307762F-A706-E543-A832-3C298AA3103F}" type="datetimeFigureOut">
               <a:rPr lang="en-US" smtClean="0"/>
               <a:pPr/>
-              <a:t>11/27/13</a:t>
+              <a:t>11/21/14</a:t>
             </a:fld>
             <a:endParaRPr lang="en-US" dirty="0"/>
           </a:p>
@@ -1632,7 +1632,7 @@
           <a:p>
             <a:fld id="{875CF0EB-321F-0749-B37A-89BBA859503C}" type="datetimeFigureOut">
               <a:rPr lang="en-US" smtClean="0"/>
-              <a:t>11/27/13</a:t>
+              <a:t>11/21/14</a:t>
             </a:fld>
             <a:endParaRPr lang="en-US"/>
           </a:p>
@@ -1836,7 +1836,7 @@
           <a:p>
             <a:fld id="{875CF0EB-321F-0749-B37A-89BBA859503C}" type="datetimeFigureOut">
               <a:rPr lang="en-US" smtClean="0"/>
-              <a:t>11/27/13</a:t>
+              <a:t>11/21/14</a:t>
             </a:fld>
             <a:endParaRPr lang="en-US"/>
           </a:p>
@@ -2030,7 +2030,7 @@
           <a:p>
             <a:fld id="{875CF0EB-321F-0749-B37A-89BBA859503C}" type="datetimeFigureOut">
               <a:rPr lang="en-US" smtClean="0"/>
-              <a:t>11/27/13</a:t>
+              <a:t>11/21/14</a:t>
             </a:fld>
             <a:endParaRPr lang="en-US"/>
           </a:p>
@@ -2300,7 +2300,7 @@
           <a:p>
             <a:fld id="{875CF0EB-321F-0749-B37A-89BBA859503C}" type="datetimeFigureOut">
               <a:rPr lang="en-US" smtClean="0"/>
-              <a:t>11/27/13</a:t>
+              <a:t>11/21/14</a:t>
             </a:fld>
             <a:endParaRPr lang="en-US"/>
           </a:p>
@@ -2612,7 +2612,7 @@
           <a:p>
             <a:fld id="{875CF0EB-321F-0749-B37A-89BBA859503C}" type="datetimeFigureOut">
               <a:rPr lang="en-US" smtClean="0"/>
-              <a:t>11/27/13</a:t>
+              <a:t>11/21/14</a:t>
             </a:fld>
             <a:endParaRPr lang="en-US"/>
           </a:p>
@@ -3058,7 +3058,7 @@
           <a:p>
             <a:fld id="{875CF0EB-321F-0749-B37A-89BBA859503C}" type="datetimeFigureOut">
               <a:rPr lang="en-US" smtClean="0"/>
-              <a:t>11/27/13</a:t>
+              <a:t>11/21/14</a:t>
             </a:fld>
             <a:endParaRPr lang="en-US"/>
           </a:p>
@@ -3200,7 +3200,7 @@
           <a:p>
             <a:fld id="{875CF0EB-321F-0749-B37A-89BBA859503C}" type="datetimeFigureOut">
               <a:rPr lang="en-US" smtClean="0"/>
-              <a:t>11/27/13</a:t>
+              <a:t>11/21/14</a:t>
             </a:fld>
             <a:endParaRPr lang="en-US"/>
           </a:p>
@@ -3319,7 +3319,7 @@
           <a:p>
             <a:fld id="{875CF0EB-321F-0749-B37A-89BBA859503C}" type="datetimeFigureOut">
               <a:rPr lang="en-US" smtClean="0"/>
-              <a:t>11/27/13</a:t>
+              <a:t>11/21/14</a:t>
             </a:fld>
             <a:endParaRPr lang="en-US"/>
           </a:p>
@@ -3620,7 +3620,7 @@
           <a:p>
             <a:fld id="{875CF0EB-321F-0749-B37A-89BBA859503C}" type="datetimeFigureOut">
               <a:rPr lang="en-US" smtClean="0"/>
-              <a:t>11/27/13</a:t>
+              <a:t>11/21/14</a:t>
             </a:fld>
             <a:endParaRPr lang="en-US"/>
           </a:p>
@@ -3897,7 +3897,7 @@
           <a:p>
             <a:fld id="{875CF0EB-321F-0749-B37A-89BBA859503C}" type="datetimeFigureOut">
               <a:rPr lang="en-US" smtClean="0"/>
-              <a:t>11/27/13</a:t>
+              <a:t>11/21/14</a:t>
             </a:fld>
             <a:endParaRPr lang="en-US"/>
           </a:p>
@@ -4739,20 +4739,20 @@
           </a:p>
           <a:p>
             <a:r>
-              <a:rPr lang="en-US">
+              <a:rPr lang="en-US" dirty="0">
                 <a:ea typeface="ヒラギノ角ゴ ProN W3" charset="0"/>
                 <a:cs typeface="ヒラギノ角ゴ ProN W3" charset="0"/>
               </a:rPr>
               <a:t>Dec </a:t>
             </a:r>
             <a:r>
-              <a:rPr lang="en-US" smtClean="0">
+              <a:rPr lang="en-US" dirty="0" smtClean="0">
                 <a:ea typeface="ヒラギノ角ゴ ProN W3" charset="0"/>
                 <a:cs typeface="ヒラギノ角ゴ ProN W3" charset="0"/>
               </a:rPr>
-              <a:t>2013</a:t>
-            </a:r>
-            <a:endParaRPr lang="en-US">
+              <a:t>2014</a:t>
+            </a:r>
+            <a:endParaRPr lang="en-US" dirty="0">
               <a:ea typeface="ヒラギノ角ゴ ProN W3" charset="0"/>
               <a:cs typeface="ヒラギノ角ゴ ProN W3" charset="0"/>
             </a:endParaRPr>
@@ -5642,8 +5642,8 @@
               <a:t>Layer7 / </a:t>
             </a:r>
             <a:r>
-              <a:rPr lang="en-US" dirty="0" err="1" smtClean="0"/>
-              <a:t>Apify</a:t>
+              <a:rPr lang="en-US" dirty="0" smtClean="0"/>
+              <a:t>CA</a:t>
             </a:r>
             <a:endParaRPr lang="en-US" dirty="0" smtClean="0"/>
           </a:p>
@@ -5657,6 +5657,14 @@
             <a:r>
               <a:rPr lang="en-US" dirty="0" err="1" smtClean="0"/>
               <a:t>Mashery</a:t>
+            </a:r>
+            <a:r>
+              <a:rPr lang="en-US" dirty="0" smtClean="0"/>
+              <a:t> </a:t>
+            </a:r>
+            <a:r>
+              <a:rPr lang="en-US" smtClean="0"/>
+              <a:t>/ Intel</a:t>
             </a:r>
             <a:endParaRPr lang="en-US" dirty="0" smtClean="0"/>
           </a:p>
@@ -6578,13 +6586,19 @@
               <a:rPr lang="en-US" sz="1800" dirty="0" smtClean="0">
                 <a:cs typeface="ＭＳ Ｐゴシック" charset="0"/>
               </a:rPr>
-              <a:t>eBay : More than 2 billion transactions </a:t>
-            </a:r>
-            <a:r>
-              <a:rPr lang="en-US" sz="1800" smtClean="0">
+              <a:t>eBay : More than </a:t>
+            </a:r>
+            <a:r>
+              <a:rPr lang="en-US" sz="1800" dirty="0" smtClean="0">
                 <a:cs typeface="ＭＳ Ｐゴシック" charset="0"/>
               </a:rPr>
-              <a:t>per day</a:t>
+              <a:t>6 </a:t>
+            </a:r>
+            <a:r>
+              <a:rPr lang="en-US" sz="1800" dirty="0" smtClean="0">
+                <a:cs typeface="ＭＳ Ｐゴシック" charset="0"/>
+              </a:rPr>
+              <a:t>billion transactions per day</a:t>
             </a:r>
             <a:endParaRPr lang="en-US" sz="1800" dirty="0"/>
           </a:p>

--- a/presentations/source/11-API-Management.pptx
+++ b/presentations/source/11-API-Management.pptx
@@ -211,7 +211,7 @@
             <a:fld id="{7307762F-A706-E543-A832-3C298AA3103F}" type="datetimeFigureOut">
               <a:rPr lang="en-US" smtClean="0"/>
               <a:pPr/>
-              <a:t>11/21/14</a:t>
+              <a:t>08/09/15</a:t>
             </a:fld>
             <a:endParaRPr lang="en-US" dirty="0"/>
           </a:p>
@@ -1632,7 +1632,7 @@
           <a:p>
             <a:fld id="{875CF0EB-321F-0749-B37A-89BBA859503C}" type="datetimeFigureOut">
               <a:rPr lang="en-US" smtClean="0"/>
-              <a:t>11/21/14</a:t>
+              <a:t>08/09/15</a:t>
             </a:fld>
             <a:endParaRPr lang="en-US"/>
           </a:p>
@@ -1836,7 +1836,7 @@
           <a:p>
             <a:fld id="{875CF0EB-321F-0749-B37A-89BBA859503C}" type="datetimeFigureOut">
               <a:rPr lang="en-US" smtClean="0"/>
-              <a:t>11/21/14</a:t>
+              <a:t>08/09/15</a:t>
             </a:fld>
             <a:endParaRPr lang="en-US"/>
           </a:p>
@@ -2030,7 +2030,7 @@
           <a:p>
             <a:fld id="{875CF0EB-321F-0749-B37A-89BBA859503C}" type="datetimeFigureOut">
               <a:rPr lang="en-US" smtClean="0"/>
-              <a:t>11/21/14</a:t>
+              <a:t>08/09/15</a:t>
             </a:fld>
             <a:endParaRPr lang="en-US"/>
           </a:p>
@@ -2300,7 +2300,7 @@
           <a:p>
             <a:fld id="{875CF0EB-321F-0749-B37A-89BBA859503C}" type="datetimeFigureOut">
               <a:rPr lang="en-US" smtClean="0"/>
-              <a:t>11/21/14</a:t>
+              <a:t>08/09/15</a:t>
             </a:fld>
             <a:endParaRPr lang="en-US"/>
           </a:p>
@@ -2612,7 +2612,7 @@
           <a:p>
             <a:fld id="{875CF0EB-321F-0749-B37A-89BBA859503C}" type="datetimeFigureOut">
               <a:rPr lang="en-US" smtClean="0"/>
-              <a:t>11/21/14</a:t>
+              <a:t>08/09/15</a:t>
             </a:fld>
             <a:endParaRPr lang="en-US"/>
           </a:p>
@@ -3058,7 +3058,7 @@
           <a:p>
             <a:fld id="{875CF0EB-321F-0749-B37A-89BBA859503C}" type="datetimeFigureOut">
               <a:rPr lang="en-US" smtClean="0"/>
-              <a:t>11/21/14</a:t>
+              <a:t>08/09/15</a:t>
             </a:fld>
             <a:endParaRPr lang="en-US"/>
           </a:p>
@@ -3200,7 +3200,7 @@
           <a:p>
             <a:fld id="{875CF0EB-321F-0749-B37A-89BBA859503C}" type="datetimeFigureOut">
               <a:rPr lang="en-US" smtClean="0"/>
-              <a:t>11/21/14</a:t>
+              <a:t>08/09/15</a:t>
             </a:fld>
             <a:endParaRPr lang="en-US"/>
           </a:p>
@@ -3319,7 +3319,7 @@
           <a:p>
             <a:fld id="{875CF0EB-321F-0749-B37A-89BBA859503C}" type="datetimeFigureOut">
               <a:rPr lang="en-US" smtClean="0"/>
-              <a:t>11/21/14</a:t>
+              <a:t>08/09/15</a:t>
             </a:fld>
             <a:endParaRPr lang="en-US"/>
           </a:p>
@@ -3620,7 +3620,7 @@
           <a:p>
             <a:fld id="{875CF0EB-321F-0749-B37A-89BBA859503C}" type="datetimeFigureOut">
               <a:rPr lang="en-US" smtClean="0"/>
-              <a:t>11/21/14</a:t>
+              <a:t>08/09/15</a:t>
             </a:fld>
             <a:endParaRPr lang="en-US"/>
           </a:p>
@@ -3897,7 +3897,7 @@
           <a:p>
             <a:fld id="{875CF0EB-321F-0749-B37A-89BBA859503C}" type="datetimeFigureOut">
               <a:rPr lang="en-US" smtClean="0"/>
-              <a:t>11/21/14</a:t>
+              <a:t>08/09/15</a:t>
             </a:fld>
             <a:endParaRPr lang="en-US"/>
           </a:p>
@@ -4739,18 +4739,11 @@
           </a:p>
           <a:p>
             <a:r>
-              <a:rPr lang="en-US" dirty="0">
+              <a:rPr lang="en-US" smtClean="0">
                 <a:ea typeface="ヒラギノ角ゴ ProN W3" charset="0"/>
                 <a:cs typeface="ヒラギノ角ゴ ProN W3" charset="0"/>
               </a:rPr>
-              <a:t>Dec </a:t>
-            </a:r>
-            <a:r>
-              <a:rPr lang="en-US" dirty="0" smtClean="0">
-                <a:ea typeface="ヒラギノ角ゴ ProN W3" charset="0"/>
-                <a:cs typeface="ヒラギノ角ゴ ProN W3" charset="0"/>
-              </a:rPr>
-              <a:t>2014</a:t>
+              <a:t>Sep 2015</a:t>
             </a:r>
             <a:endParaRPr lang="en-US" dirty="0">
               <a:ea typeface="ヒラギノ角ゴ ProN W3" charset="0"/>
@@ -5639,13 +5632,8 @@
           <a:p>
             <a:r>
               <a:rPr lang="en-US" dirty="0" smtClean="0"/>
-              <a:t>Layer7 / </a:t>
-            </a:r>
-            <a:r>
-              <a:rPr lang="en-US" dirty="0" smtClean="0"/>
-              <a:t>CA</a:t>
-            </a:r>
-            <a:endParaRPr lang="en-US" dirty="0" smtClean="0"/>
+              <a:t>Layer7 / CA</a:t>
+            </a:r>
           </a:p>
           <a:p>
             <a:r>
@@ -6586,19 +6574,7 @@
               <a:rPr lang="en-US" sz="1800" dirty="0" smtClean="0">
                 <a:cs typeface="ＭＳ Ｐゴシック" charset="0"/>
               </a:rPr>
-              <a:t>eBay : More than </a:t>
-            </a:r>
-            <a:r>
-              <a:rPr lang="en-US" sz="1800" dirty="0" smtClean="0">
-                <a:cs typeface="ＭＳ Ｐゴシック" charset="0"/>
-              </a:rPr>
-              <a:t>6 </a:t>
-            </a:r>
-            <a:r>
-              <a:rPr lang="en-US" sz="1800" dirty="0" smtClean="0">
-                <a:cs typeface="ＭＳ Ｐゴシック" charset="0"/>
-              </a:rPr>
-              <a:t>billion transactions per day</a:t>
+              <a:t>eBay : More than 6 billion transactions per day</a:t>
             </a:r>
             <a:endParaRPr lang="en-US" sz="1800" dirty="0"/>
           </a:p>
